--- a/docs/AI-编程分享.pptx
+++ b/docs/AI-编程分享.pptx
@@ -11141,7 +11141,67 @@
                 <a:ea typeface="Calibri" pitchFamily="34" charset="-122"/>
                 <a:cs typeface="Calibri" pitchFamily="34" charset="-120"/>
               </a:rPr>
-              <a:t>RULES.md + OpenSpec 设计文档</a:t>
+              <a:t>RULES.md + </a:t>
+            </a:r>
+            <a:r>
+              <a:rPr lang="en-US" sz="1200" b="1" dirty="0">
+                <a:gradFill>
+                  <a:gsLst>
+                    <a:gs pos="50000">
+                      <a:schemeClr val="accent5"/>
+                    </a:gs>
+                    <a:gs pos="0">
+                      <a:schemeClr val="accent5">
+                        <a:lumMod val="25000"/>
+                        <a:lumOff val="75000"/>
+                      </a:schemeClr>
+                    </a:gs>
+                    <a:gs pos="100000">
+                      <a:schemeClr val="accent5">
+                        <a:lumMod val="85000"/>
+                      </a:schemeClr>
+                    </a:gs>
+                  </a:gsLst>
+                  <a:lin ang="5400000" scaled="1"/>
+                </a:gradFill>
+                <a:latin typeface="Calibri" pitchFamily="34" charset="0"/>
+                <a:ea typeface="Calibri" pitchFamily="34" charset="-122"/>
+                <a:cs typeface="Calibri" pitchFamily="34" charset="-120"/>
+              </a:rPr>
+              <a:t>OpenSpec</a:t>
+            </a:r>
+            <a:r>
+              <a:rPr lang="en-US" sz="1200" b="1" dirty="0">
+                <a:gradFill>
+                  <a:gsLst>
+                    <a:gs pos="50000">
+                      <a:srgbClr val="1F5FBF"/>
+                    </a:gs>
+                    <a:gs pos="0">
+                      <a:srgbClr val="1486CB"/>
+                    </a:gs>
+                    <a:gs pos="100000">
+                      <a:srgbClr val="2A34B2"/>
+                    </a:gs>
+                  </a:gsLst>
+                  <a:lin ang="5400000" scaled="1"/>
+                </a:gradFill>
+                <a:latin typeface="Calibri" pitchFamily="34" charset="0"/>
+                <a:ea typeface="Calibri" pitchFamily="34" charset="-122"/>
+                <a:cs typeface="Calibri" pitchFamily="34" charset="-120"/>
+              </a:rPr>
+              <a:t> </a:t>
+            </a:r>
+            <a:r>
+              <a:rPr lang="en-US" sz="1200" dirty="0">
+                <a:solidFill>
+                  <a:srgbClr val="1E293B"/>
+                </a:solidFill>
+                <a:latin typeface="Calibri" pitchFamily="34" charset="0"/>
+                <a:ea typeface="Calibri" pitchFamily="34" charset="-122"/>
+                <a:cs typeface="Calibri" pitchFamily="34" charset="-120"/>
+              </a:rPr>
+              <a:t>设计文档</a:t>
             </a:r>
             <a:endParaRPr lang="en-US" sz="1200" dirty="0"/>
           </a:p>
@@ -12060,7 +12120,7 @@
               <a:buNone/>
             </a:pPr>
             <a:r>
-              <a:rPr lang="en-US" b="1" dirty="0">
+              <a:rPr lang="en-US" b="1" u="sng" dirty="0">
                 <a:solidFill>
                   <a:srgbClr val="FF0000"/>
                 </a:solidFill>
@@ -12070,7 +12130,7 @@
               </a:rPr>
               <a:t>拥抱设计文档先行</a:t>
             </a:r>
-            <a:endParaRPr lang="en-US" b="1" dirty="0">
+            <a:endParaRPr lang="en-US" b="1" u="sng" dirty="0">
               <a:solidFill>
                 <a:srgbClr val="FF0000"/>
               </a:solidFill>
@@ -16018,7 +16078,7 @@
         <p:spPr>
           <a:xfrm>
             <a:off x="5303520" y="1280160"/>
-            <a:ext cx="3383280" cy="1280160"/>
+            <a:ext cx="3378835" cy="1449705"/>
           </a:xfrm>
           <a:prstGeom prst="rect">
             <a:avLst/>
@@ -16044,7 +16104,7 @@
         <p:spPr>
           <a:xfrm>
             <a:off x="5303520" y="1280160"/>
-            <a:ext cx="54864" cy="1280160"/>
+            <a:ext cx="76200" cy="1449705"/>
           </a:xfrm>
           <a:prstGeom prst="rect">
             <a:avLst/>
@@ -16062,8 +16122,8 @@
         </p:nvSpPr>
         <p:spPr>
           <a:xfrm>
-            <a:off x="5532120" y="1371600"/>
-            <a:ext cx="2926080" cy="1097280"/>
+            <a:off x="5532120" y="1318895"/>
+            <a:ext cx="2926080" cy="1382395"/>
           </a:xfrm>
           <a:prstGeom prst="rect">
             <a:avLst/>
@@ -16085,8 +16145,20 @@
                 <a:latin typeface="Calibri" pitchFamily="34" charset="0"/>
                 <a:ea typeface="Calibri" pitchFamily="34" charset="-122"/>
                 <a:cs typeface="Calibri" pitchFamily="34" charset="-120"/>
-              </a:rPr>
-              <a:t>METR 2025 研究发现
+                <a:hlinkClick r:id="rId2" tooltip="" action="ppaction://hlinkfile"/>
+              </a:rPr>
+              <a:t>METR 2025 研究发现</a:t>
+            </a:r>
+            <a:r>
+              <a:rPr lang="en-US" sz="1300" b="1" dirty="0">
+                <a:solidFill>
+                  <a:srgbClr val="EF4444"/>
+                </a:solidFill>
+                <a:latin typeface="Calibri" pitchFamily="34" charset="0"/>
+                <a:ea typeface="Calibri" pitchFamily="34" charset="-122"/>
+                <a:cs typeface="Calibri" pitchFamily="34" charset="-120"/>
+              </a:rPr>
+              <a:t>
 </a:t>
             </a:r>
             <a:endParaRPr lang="en-US" sz="1300" dirty="0"/>
@@ -16154,8 +16226,8 @@
         </p:nvSpPr>
         <p:spPr>
           <a:xfrm>
-            <a:off x="5303520" y="2743200"/>
-            <a:ext cx="3383280" cy="1463040"/>
+            <a:off x="5292090" y="2912745"/>
+            <a:ext cx="3406140" cy="1293495"/>
           </a:xfrm>
           <a:prstGeom prst="rect">
             <a:avLst/>
@@ -16180,8 +16252,8 @@
         </p:nvSpPr>
         <p:spPr>
           <a:xfrm>
-            <a:off x="5303520" y="2743200"/>
-            <a:ext cx="54864" cy="1463040"/>
+            <a:off x="5292090" y="2912110"/>
+            <a:ext cx="76200" cy="1294130"/>
           </a:xfrm>
           <a:prstGeom prst="rect">
             <a:avLst/>
@@ -16190,6 +16262,12 @@
             <a:srgbClr val="F59E0B"/>
           </a:solidFill>
         </p:spPr>
+        <p:txBody>
+          <a:bodyPr/>
+          <a:p>
+            <a:endParaRPr lang="zh-CN" altLang="en-US"/>
+          </a:p>
+        </p:txBody>
       </p:sp>
       <p:sp>
         <p:nvSpPr>
@@ -16822,7 +16900,7 @@
         </p:nvSpPr>
         <p:spPr>
           <a:xfrm>
-            <a:off x="640080" y="2103120"/>
+            <a:off x="640080" y="2057400"/>
             <a:ext cx="3657600" cy="365760"/>
           </a:xfrm>
           <a:prstGeom prst="rect">
@@ -16860,7 +16938,7 @@
         </p:nvSpPr>
         <p:spPr>
           <a:xfrm>
-            <a:off x="621665" y="2410460"/>
+            <a:off x="621665" y="2364740"/>
             <a:ext cx="4458970" cy="1047115"/>
           </a:xfrm>
           <a:prstGeom prst="rect">
@@ -16954,7 +17032,7 @@
         </p:nvSpPr>
         <p:spPr>
           <a:xfrm>
-            <a:off x="5029200" y="2103120"/>
+            <a:off x="5029200" y="2057400"/>
             <a:ext cx="3657600" cy="365760"/>
           </a:xfrm>
           <a:prstGeom prst="rect">
@@ -16992,7 +17070,7 @@
         </p:nvSpPr>
         <p:spPr>
           <a:xfrm>
-            <a:off x="5029200" y="2514600"/>
+            <a:off x="5029200" y="2468880"/>
             <a:ext cx="3657600" cy="438912"/>
           </a:xfrm>
           <a:prstGeom prst="rect">
@@ -17011,7 +17089,7 @@
         </p:nvSpPr>
         <p:spPr>
           <a:xfrm>
-            <a:off x="5120640" y="2514600"/>
+            <a:off x="5120640" y="2468880"/>
             <a:ext cx="1280160" cy="438912"/>
           </a:xfrm>
           <a:prstGeom prst="rect">
@@ -17049,7 +17127,7 @@
         </p:nvSpPr>
         <p:spPr>
           <a:xfrm>
-            <a:off x="6400800" y="2514600"/>
+            <a:off x="6400800" y="2468880"/>
             <a:ext cx="2194560" cy="438912"/>
           </a:xfrm>
           <a:prstGeom prst="rect">
@@ -17087,7 +17165,7 @@
         </p:nvSpPr>
         <p:spPr>
           <a:xfrm>
-            <a:off x="5029200" y="3017520"/>
+            <a:off x="5029200" y="2971800"/>
             <a:ext cx="3657600" cy="438912"/>
           </a:xfrm>
           <a:prstGeom prst="rect">
@@ -17106,7 +17184,7 @@
         </p:nvSpPr>
         <p:spPr>
           <a:xfrm>
-            <a:off x="5120640" y="3017520"/>
+            <a:off x="5120640" y="2971800"/>
             <a:ext cx="1280160" cy="438912"/>
           </a:xfrm>
           <a:prstGeom prst="rect">
@@ -17144,7 +17222,7 @@
         </p:nvSpPr>
         <p:spPr>
           <a:xfrm>
-            <a:off x="6400800" y="3017520"/>
+            <a:off x="6400800" y="2971800"/>
             <a:ext cx="2194560" cy="438912"/>
           </a:xfrm>
           <a:prstGeom prst="rect">
@@ -17182,7 +17260,7 @@
         </p:nvSpPr>
         <p:spPr>
           <a:xfrm>
-            <a:off x="5029200" y="3520440"/>
+            <a:off x="5029200" y="3474720"/>
             <a:ext cx="3657600" cy="438912"/>
           </a:xfrm>
           <a:prstGeom prst="rect">
@@ -17201,7 +17279,7 @@
         </p:nvSpPr>
         <p:spPr>
           <a:xfrm>
-            <a:off x="5120640" y="3520440"/>
+            <a:off x="5120640" y="3474720"/>
             <a:ext cx="1280160" cy="438912"/>
           </a:xfrm>
           <a:prstGeom prst="rect">
@@ -17239,7 +17317,7 @@
         </p:nvSpPr>
         <p:spPr>
           <a:xfrm>
-            <a:off x="6400800" y="3520440"/>
+            <a:off x="6400800" y="3474720"/>
             <a:ext cx="2194560" cy="438912"/>
           </a:xfrm>
           <a:prstGeom prst="rect">
@@ -17277,7 +17355,7 @@
         </p:nvSpPr>
         <p:spPr>
           <a:xfrm>
-            <a:off x="5029200" y="4023360"/>
+            <a:off x="5029200" y="3977640"/>
             <a:ext cx="3657600" cy="438912"/>
           </a:xfrm>
           <a:prstGeom prst="rect">
@@ -17296,7 +17374,7 @@
         </p:nvSpPr>
         <p:spPr>
           <a:xfrm>
-            <a:off x="5120640" y="4023360"/>
+            <a:off x="5120640" y="3977640"/>
             <a:ext cx="1280160" cy="438912"/>
           </a:xfrm>
           <a:prstGeom prst="rect">
@@ -17334,7 +17412,7 @@
         </p:nvSpPr>
         <p:spPr>
           <a:xfrm>
-            <a:off x="6400800" y="4023360"/>
+            <a:off x="6400800" y="3977640"/>
             <a:ext cx="2194560" cy="438912"/>
           </a:xfrm>
           <a:prstGeom prst="rect">
@@ -17862,7 +17940,7 @@
         </p:nvSpPr>
         <p:spPr>
           <a:xfrm>
-            <a:off x="5029200" y="1691640"/>
+            <a:off x="5029200" y="1645920"/>
             <a:ext cx="3474720" cy="3043555"/>
           </a:xfrm>
           <a:prstGeom prst="rect">
